--- a/figure.pptx
+++ b/figure.pptx
@@ -268,7 +268,7 @@
           <a:p>
             <a:fld id="{9428FFD1-390B-4E43-B55B-D324D2822568}" type="datetimeFigureOut">
               <a:rPr lang="en-US" smtClean="0"/>
-              <a:t>12/3/2023</a:t>
+              <a:t>12/8/2023</a:t>
             </a:fld>
             <a:endParaRPr lang="en-US"/>
           </a:p>
@@ -466,7 +466,7 @@
           <a:p>
             <a:fld id="{9428FFD1-390B-4E43-B55B-D324D2822568}" type="datetimeFigureOut">
               <a:rPr lang="en-US" smtClean="0"/>
-              <a:t>12/3/2023</a:t>
+              <a:t>12/8/2023</a:t>
             </a:fld>
             <a:endParaRPr lang="en-US"/>
           </a:p>
@@ -674,7 +674,7 @@
           <a:p>
             <a:fld id="{9428FFD1-390B-4E43-B55B-D324D2822568}" type="datetimeFigureOut">
               <a:rPr lang="en-US" smtClean="0"/>
-              <a:t>12/3/2023</a:t>
+              <a:t>12/8/2023</a:t>
             </a:fld>
             <a:endParaRPr lang="en-US"/>
           </a:p>
@@ -872,7 +872,7 @@
           <a:p>
             <a:fld id="{9428FFD1-390B-4E43-B55B-D324D2822568}" type="datetimeFigureOut">
               <a:rPr lang="en-US" smtClean="0"/>
-              <a:t>12/3/2023</a:t>
+              <a:t>12/8/2023</a:t>
             </a:fld>
             <a:endParaRPr lang="en-US"/>
           </a:p>
@@ -1147,7 +1147,7 @@
           <a:p>
             <a:fld id="{9428FFD1-390B-4E43-B55B-D324D2822568}" type="datetimeFigureOut">
               <a:rPr lang="en-US" smtClean="0"/>
-              <a:t>12/3/2023</a:t>
+              <a:t>12/8/2023</a:t>
             </a:fld>
             <a:endParaRPr lang="en-US"/>
           </a:p>
@@ -1412,7 +1412,7 @@
           <a:p>
             <a:fld id="{9428FFD1-390B-4E43-B55B-D324D2822568}" type="datetimeFigureOut">
               <a:rPr lang="en-US" smtClean="0"/>
-              <a:t>12/3/2023</a:t>
+              <a:t>12/8/2023</a:t>
             </a:fld>
             <a:endParaRPr lang="en-US"/>
           </a:p>
@@ -1824,7 +1824,7 @@
           <a:p>
             <a:fld id="{9428FFD1-390B-4E43-B55B-D324D2822568}" type="datetimeFigureOut">
               <a:rPr lang="en-US" smtClean="0"/>
-              <a:t>12/3/2023</a:t>
+              <a:t>12/8/2023</a:t>
             </a:fld>
             <a:endParaRPr lang="en-US"/>
           </a:p>
@@ -1965,7 +1965,7 @@
           <a:p>
             <a:fld id="{9428FFD1-390B-4E43-B55B-D324D2822568}" type="datetimeFigureOut">
               <a:rPr lang="en-US" smtClean="0"/>
-              <a:t>12/3/2023</a:t>
+              <a:t>12/8/2023</a:t>
             </a:fld>
             <a:endParaRPr lang="en-US"/>
           </a:p>
@@ -2078,7 +2078,7 @@
           <a:p>
             <a:fld id="{9428FFD1-390B-4E43-B55B-D324D2822568}" type="datetimeFigureOut">
               <a:rPr lang="en-US" smtClean="0"/>
-              <a:t>12/3/2023</a:t>
+              <a:t>12/8/2023</a:t>
             </a:fld>
             <a:endParaRPr lang="en-US"/>
           </a:p>
@@ -2389,7 +2389,7 @@
           <a:p>
             <a:fld id="{9428FFD1-390B-4E43-B55B-D324D2822568}" type="datetimeFigureOut">
               <a:rPr lang="en-US" smtClean="0"/>
-              <a:t>12/3/2023</a:t>
+              <a:t>12/8/2023</a:t>
             </a:fld>
             <a:endParaRPr lang="en-US"/>
           </a:p>
@@ -2677,7 +2677,7 @@
           <a:p>
             <a:fld id="{9428FFD1-390B-4E43-B55B-D324D2822568}" type="datetimeFigureOut">
               <a:rPr lang="en-US" smtClean="0"/>
-              <a:t>12/3/2023</a:t>
+              <a:t>12/8/2023</a:t>
             </a:fld>
             <a:endParaRPr lang="en-US"/>
           </a:p>
@@ -2918,7 +2918,7 @@
           <a:p>
             <a:fld id="{9428FFD1-390B-4E43-B55B-D324D2822568}" type="datetimeFigureOut">
               <a:rPr lang="en-US" smtClean="0"/>
-              <a:t>12/3/2023</a:t>
+              <a:t>12/8/2023</a:t>
             </a:fld>
             <a:endParaRPr lang="en-US"/>
           </a:p>
@@ -3349,10 +3349,10 @@
         </p:nvGrpSpPr>
         <p:grpSpPr>
           <a:xfrm>
-            <a:off x="199501" y="1795737"/>
-            <a:ext cx="11792998" cy="3266523"/>
-            <a:chOff x="860961" y="1521149"/>
-            <a:chExt cx="4221678" cy="1895400"/>
+            <a:off x="199501" y="1795735"/>
+            <a:ext cx="11792998" cy="3266525"/>
+            <a:chOff x="860961" y="1521148"/>
+            <a:chExt cx="4221678" cy="1895401"/>
           </a:xfrm>
         </p:grpSpPr>
         <p:sp>
@@ -3376,7 +3376,7 @@
               <a:avLst/>
             </a:prstGeom>
             <a:noFill/>
-            <a:ln>
+            <a:ln w="38100">
               <a:solidFill>
                 <a:schemeClr val="accent2"/>
               </a:solidFill>
@@ -3390,10 +3390,10 @@
             <a:p>
               <a:pPr algn="ctr"/>
               <a:r>
-                <a:rPr lang="en-US" dirty="0" err="1"/>
+                <a:rPr lang="en-US" b="1" dirty="0" err="1"/>
                 <a:t>riskmap</a:t>
               </a:r>
-              <a:endParaRPr lang="en-US" dirty="0"/>
+              <a:endParaRPr lang="en-US" b="1" dirty="0"/>
             </a:p>
           </p:txBody>
         </p:sp>
@@ -3418,7 +3418,7 @@
               <a:avLst/>
             </a:prstGeom>
             <a:noFill/>
-            <a:ln>
+            <a:ln w="38100">
               <a:solidFill>
                 <a:schemeClr val="accent2"/>
               </a:solidFill>
@@ -3432,7 +3432,7 @@
             <a:p>
               <a:pPr algn="ctr"/>
               <a:r>
-                <a:rPr lang="en-US" dirty="0"/>
+                <a:rPr lang="en-US" b="1" dirty="0"/>
                 <a:t>start</a:t>
               </a:r>
             </a:p>
@@ -3459,7 +3459,7 @@
               <a:avLst/>
             </a:prstGeom>
             <a:noFill/>
-            <a:ln>
+            <a:ln w="38100">
               <a:solidFill>
                 <a:schemeClr val="accent2"/>
               </a:solidFill>
@@ -3473,7 +3473,7 @@
             <a:p>
               <a:pPr algn="ctr"/>
               <a:r>
-                <a:rPr lang="en-US" dirty="0"/>
+                <a:rPr lang="en-US" b="1" dirty="0"/>
                 <a:t>destination</a:t>
               </a:r>
             </a:p>
@@ -3493,8 +3493,8 @@
           </p:nvSpPr>
           <p:spPr>
             <a:xfrm>
-              <a:off x="2610592" y="1556888"/>
-              <a:ext cx="1312224" cy="142826"/>
+              <a:off x="2610592" y="1521148"/>
+              <a:ext cx="1312224" cy="214305"/>
             </a:xfrm>
             <a:prstGeom prst="rect">
               <a:avLst/>
@@ -3516,7 +3516,7 @@
             <a:p>
               <a:pPr algn="ctr"/>
               <a:r>
-                <a:rPr lang="en-US" dirty="0"/>
+                <a:rPr lang="en-US" b="1" dirty="0"/>
                 <a:t>Linear</a:t>
               </a:r>
             </a:p>
@@ -3559,7 +3559,7 @@
             <a:p>
               <a:pPr algn="ctr"/>
               <a:r>
-                <a:rPr lang="en-US" dirty="0"/>
+                <a:rPr lang="en-US" b="1" dirty="0"/>
                 <a:t>Embedding</a:t>
               </a:r>
             </a:p>
@@ -3602,7 +3602,7 @@
             <a:p>
               <a:pPr algn="ctr"/>
               <a:r>
-                <a:rPr lang="en-US" dirty="0"/>
+                <a:rPr lang="en-US" b="1" dirty="0"/>
                 <a:t>Embedding</a:t>
               </a:r>
             </a:p>
@@ -3629,7 +3629,7 @@
               <a:avLst/>
             </a:prstGeom>
             <a:noFill/>
-            <a:ln>
+            <a:ln w="38100">
               <a:solidFill>
                 <a:schemeClr val="accent2"/>
               </a:solidFill>
@@ -3641,8 +3641,9 @@
             </a:bodyPr>
             <a:lstStyle/>
             <a:p>
+              <a:pPr algn="ctr"/>
               <a:r>
-                <a:rPr lang="en-US" dirty="0"/>
+                <a:rPr lang="en-US" b="1" dirty="0"/>
                 <a:t>positional embedding</a:t>
               </a:r>
             </a:p>
@@ -3708,14 +3709,14 @@
           </p:nvSpPr>
           <p:spPr>
             <a:xfrm>
-              <a:off x="4662055" y="2017058"/>
-              <a:ext cx="420584" cy="142826"/>
+              <a:off x="4662055" y="1981319"/>
+              <a:ext cx="420584" cy="214305"/>
             </a:xfrm>
             <a:prstGeom prst="rect">
               <a:avLst/>
             </a:prstGeom>
             <a:noFill/>
-            <a:ln>
+            <a:ln w="38100">
               <a:solidFill>
                 <a:schemeClr val="accent2"/>
               </a:solidFill>
@@ -3729,7 +3730,7 @@
             <a:p>
               <a:pPr algn="ctr"/>
               <a:r>
-                <a:rPr lang="en-US" dirty="0"/>
+                <a:rPr lang="en-US" b="1" dirty="0"/>
                 <a:t>x1</a:t>
               </a:r>
             </a:p>
@@ -3753,13 +3754,13 @@
           </p:nvCxnSpPr>
           <p:spPr>
             <a:xfrm flipV="1">
-              <a:off x="2054431" y="1628301"/>
+              <a:off x="2054431" y="1628300"/>
               <a:ext cx="556161" cy="1"/>
             </a:xfrm>
             <a:prstGeom prst="straightConnector1">
               <a:avLst/>
             </a:prstGeom>
-            <a:ln>
+            <a:ln w="38100">
               <a:tailEnd type="triangle"/>
             </a:ln>
           </p:spPr>
@@ -3802,7 +3803,7 @@
             <a:prstGeom prst="straightConnector1">
               <a:avLst/>
             </a:prstGeom>
-            <a:ln>
+            <a:ln w="38100">
               <a:tailEnd type="triangle"/>
             </a:ln>
           </p:spPr>
@@ -3845,7 +3846,7 @@
             <a:prstGeom prst="straightConnector1">
               <a:avLst/>
             </a:prstGeom>
-            <a:ln>
+            <a:ln w="38100">
               <a:tailEnd type="triangle"/>
             </a:ln>
           </p:spPr>
@@ -3888,7 +3889,7 @@
             <a:prstGeom prst="straightConnector1">
               <a:avLst/>
             </a:prstGeom>
-            <a:ln>
+            <a:ln w="38100">
               <a:tailEnd type="triangle"/>
             </a:ln>
           </p:spPr>
@@ -3925,13 +3926,13 @@
           </p:nvCxnSpPr>
           <p:spPr>
             <a:xfrm>
-              <a:off x="3922816" y="1628301"/>
-              <a:ext cx="411126" cy="347521"/>
+              <a:off x="3922816" y="1628300"/>
+              <a:ext cx="411126" cy="347522"/>
             </a:xfrm>
             <a:prstGeom prst="bentConnector2">
               <a:avLst/>
             </a:prstGeom>
-            <a:ln>
+            <a:ln w="38100">
               <a:tailEnd type="triangle"/>
             </a:ln>
           </p:spPr>
@@ -3974,7 +3975,7 @@
             <a:prstGeom prst="bentConnector2">
               <a:avLst/>
             </a:prstGeom>
-            <a:ln>
+            <a:ln w="38100">
               <a:tailEnd type="triangle"/>
             </a:ln>
           </p:spPr>
@@ -4017,7 +4018,7 @@
             <a:prstGeom prst="bentConnector2">
               <a:avLst/>
             </a:prstGeom>
-            <a:ln>
+            <a:ln w="38100">
               <a:tailEnd type="triangle"/>
             </a:ln>
           </p:spPr>
@@ -4151,7 +4152,7 @@
               <a:avLst/>
             </a:prstGeom>
             <a:noFill/>
-            <a:ln>
+            <a:ln w="38100">
               <a:solidFill>
                 <a:schemeClr val="tx1"/>
               </a:solidFill>
@@ -4205,7 +4206,7 @@
             <a:solidFill>
               <a:schemeClr val="bg1"/>
             </a:solidFill>
-            <a:ln>
+            <a:ln w="38100">
               <a:solidFill>
                 <a:schemeClr val="tx1"/>
               </a:solidFill>
@@ -4232,7 +4233,7 @@
             <a:lstStyle/>
             <a:p>
               <a:pPr algn="ctr"/>
-              <a:endParaRPr lang="en-US"/>
+              <a:endParaRPr lang="en-US" dirty="0"/>
             </a:p>
           </p:txBody>
         </p:sp>
@@ -4259,7 +4260,7 @@
             <a:solidFill>
               <a:schemeClr val="bg1"/>
             </a:solidFill>
-            <a:ln>
+            <a:ln w="38100">
               <a:solidFill>
                 <a:schemeClr val="tx1"/>
               </a:solidFill>
@@ -4347,7 +4348,7 @@
               <a:p>
                 <a:pPr algn="ctr"/>
                 <a:r>
-                  <a:rPr lang="en-US" dirty="0"/>
+                  <a:rPr lang="en-US" b="1" dirty="0"/>
                   <a:t>Linear</a:t>
                 </a:r>
               </a:p>
@@ -4390,7 +4391,7 @@
               <a:p>
                 <a:pPr algn="ctr"/>
                 <a:r>
-                  <a:rPr lang="en-US" dirty="0"/>
+                  <a:rPr lang="en-US" b="1" dirty="0"/>
                   <a:t>Linear</a:t>
                 </a:r>
               </a:p>
@@ -4433,7 +4434,7 @@
               <a:p>
                 <a:pPr algn="ctr"/>
                 <a:r>
-                  <a:rPr lang="en-US" dirty="0"/>
+                  <a:rPr lang="en-US" b="1" dirty="0"/>
                   <a:t>Linear</a:t>
                 </a:r>
               </a:p>
@@ -4460,7 +4461,7 @@
                 <a:avLst/>
               </a:prstGeom>
               <a:noFill/>
-              <a:ln>
+              <a:ln w="38100">
                 <a:solidFill>
                   <a:schemeClr val="accent2"/>
                 </a:solidFill>
@@ -4483,7 +4484,7 @@
               <a:p>
                 <a:pPr algn="ctr"/>
                 <a:r>
-                  <a:rPr lang="en-US" dirty="0"/>
+                  <a:rPr lang="en-US" b="1" dirty="0"/>
                   <a:t>key</a:t>
                 </a:r>
               </a:p>
@@ -4510,7 +4511,7 @@
                 <a:avLst/>
               </a:prstGeom>
               <a:noFill/>
-              <a:ln>
+              <a:ln w="38100">
                 <a:solidFill>
                   <a:schemeClr val="accent2"/>
                 </a:solidFill>
@@ -4533,7 +4534,7 @@
               <a:p>
                 <a:pPr algn="ctr"/>
                 <a:r>
-                  <a:rPr lang="en-US" dirty="0"/>
+                  <a:rPr lang="en-US" b="1" dirty="0"/>
                   <a:t>query</a:t>
                 </a:r>
               </a:p>
@@ -4560,7 +4561,7 @@
                 <a:avLst/>
               </a:prstGeom>
               <a:noFill/>
-              <a:ln>
+              <a:ln w="38100">
                 <a:solidFill>
                   <a:schemeClr val="accent2"/>
                 </a:solidFill>
@@ -4583,7 +4584,7 @@
               <a:p>
                 <a:pPr algn="ctr"/>
                 <a:r>
-                  <a:rPr lang="en-US" dirty="0"/>
+                  <a:rPr lang="en-US" b="1" dirty="0"/>
                   <a:t>value</a:t>
                 </a:r>
               </a:p>
@@ -4659,7 +4660,7 @@
               <a:prstGeom prst="straightConnector1">
                 <a:avLst/>
               </a:prstGeom>
-              <a:ln>
+              <a:ln w="38100">
                 <a:tailEnd type="triangle"/>
               </a:ln>
             </p:spPr>
@@ -4702,7 +4703,7 @@
               <a:prstGeom prst="straightConnector1">
                 <a:avLst/>
               </a:prstGeom>
-              <a:ln>
+              <a:ln w="38100">
                 <a:tailEnd type="triangle"/>
               </a:ln>
             </p:spPr>
@@ -4753,7 +4754,7 @@
               <a:p>
                 <a:pPr algn="ctr"/>
                 <a:r>
-                  <a:rPr lang="en-US" dirty="0"/>
+                  <a:rPr lang="en-US" b="1" dirty="0"/>
                   <a:t>Scale</a:t>
                 </a:r>
               </a:p>
@@ -4773,8 +4774,8 @@
             </p:nvSpPr>
             <p:spPr>
               <a:xfrm>
-                <a:off x="8420174" y="2187955"/>
-                <a:ext cx="978144" cy="369332"/>
+                <a:off x="8420173" y="2187955"/>
+                <a:ext cx="1024549" cy="369332"/>
               </a:xfrm>
               <a:prstGeom prst="rect">
                 <a:avLst/>
@@ -4791,7 +4792,7 @@
               <a:p>
                 <a:pPr algn="ctr"/>
                 <a:r>
-                  <a:rPr lang="en-US" dirty="0"/>
+                  <a:rPr lang="en-US" b="1" dirty="0"/>
                   <a:t>SoftMax</a:t>
                 </a:r>
               </a:p>
@@ -4875,7 +4876,7 @@
               <a:p>
                 <a:pPr algn="ctr"/>
                 <a:r>
-                  <a:rPr lang="en-US" dirty="0"/>
+                  <a:rPr lang="en-US" b="1" dirty="0"/>
                   <a:t>Transpose</a:t>
                 </a:r>
               </a:p>
@@ -4905,7 +4906,7 @@
               <a:prstGeom prst="straightConnector1">
                 <a:avLst/>
               </a:prstGeom>
-              <a:ln>
+              <a:ln w="38100">
                 <a:tailEnd type="triangle"/>
               </a:ln>
             </p:spPr>
@@ -4948,7 +4949,7 @@
               <a:prstGeom prst="straightConnector1">
                 <a:avLst/>
               </a:prstGeom>
-              <a:ln>
+              <a:ln w="38100">
                 <a:tailEnd type="triangle"/>
               </a:ln>
             </p:spPr>
@@ -4986,12 +4987,12 @@
             <p:spPr>
               <a:xfrm>
                 <a:off x="8057685" y="2372621"/>
-                <a:ext cx="362489" cy="0"/>
+                <a:ext cx="362488" cy="0"/>
               </a:xfrm>
               <a:prstGeom prst="straightConnector1">
                 <a:avLst/>
               </a:prstGeom>
-              <a:ln>
+              <a:ln w="38100">
                 <a:tailEnd type="triangle"/>
               </a:ln>
             </p:spPr>
@@ -5047,7 +5048,7 @@
               <a:p>
                 <a:pPr algn="ctr"/>
                 <a:r>
-                  <a:rPr lang="en-US" dirty="0"/>
+                  <a:rPr lang="en-US" b="1" dirty="0"/>
                   <a:t>Dropout</a:t>
                 </a:r>
               </a:p>
@@ -5070,13 +5071,13 @@
             </p:nvCxnSpPr>
             <p:spPr>
               <a:xfrm>
-                <a:off x="9398318" y="2372621"/>
-                <a:ext cx="294322" cy="0"/>
+                <a:off x="9444722" y="2372621"/>
+                <a:ext cx="309754" cy="0"/>
               </a:xfrm>
               <a:prstGeom prst="straightConnector1">
                 <a:avLst/>
               </a:prstGeom>
-              <a:ln>
+              <a:ln w="38100">
                 <a:tailEnd type="triangle"/>
               </a:ln>
             </p:spPr>
@@ -5119,7 +5120,7 @@
               <a:prstGeom prst="straightConnector1">
                 <a:avLst/>
               </a:prstGeom>
-              <a:ln>
+              <a:ln w="38100">
                 <a:tailEnd type="triangle"/>
               </a:ln>
             </p:spPr>
@@ -5162,7 +5163,7 @@
               <a:prstGeom prst="straightConnector1">
                 <a:avLst/>
               </a:prstGeom>
-              <a:ln>
+              <a:ln w="38100">
                 <a:tailEnd type="triangle"/>
               </a:ln>
             </p:spPr>
@@ -5204,7 +5205,7 @@
               <a:prstGeom prst="straightConnector1">
                 <a:avLst/>
               </a:prstGeom>
-              <a:ln>
+              <a:ln w="38100">
                 <a:tailEnd type="triangle"/>
               </a:ln>
             </p:spPr>
@@ -5246,7 +5247,7 @@
               <a:prstGeom prst="straightConnector1">
                 <a:avLst/>
               </a:prstGeom>
-              <a:ln>
+              <a:ln w="38100">
                 <a:tailEnd type="triangle"/>
               </a:ln>
             </p:spPr>
@@ -5287,7 +5288,7 @@
               <a:prstGeom prst="straightConnector1">
                 <a:avLst/>
               </a:prstGeom>
-              <a:ln>
+              <a:ln w="38100">
                 <a:tailEnd type="triangle"/>
               </a:ln>
             </p:spPr>
@@ -5330,7 +5331,7 @@
               <a:prstGeom prst="straightConnector1">
                 <a:avLst/>
               </a:prstGeom>
-              <a:ln>
+              <a:ln w="38100">
                 <a:tailEnd type="triangle"/>
               </a:ln>
             </p:spPr>
@@ -5373,7 +5374,7 @@
               <a:prstGeom prst="straightConnector1">
                 <a:avLst/>
               </a:prstGeom>
-              <a:ln>
+              <a:ln w="38100">
                 <a:tailEnd type="triangle"/>
               </a:ln>
             </p:spPr>
@@ -5416,7 +5417,7 @@
               <a:prstGeom prst="straightConnector1">
                 <a:avLst/>
               </a:prstGeom>
-              <a:ln>
+              <a:ln w="38100">
                 <a:tailEnd type="triangle"/>
               </a:ln>
             </p:spPr>
@@ -5459,6 +5460,7 @@
                 <a:gd name="adj2" fmla="val 50000"/>
               </a:avLst>
             </a:prstGeom>
+            <a:ln w="38100"/>
           </p:spPr>
           <p:style>
             <a:lnRef idx="1">
@@ -5479,7 +5481,7 @@
             <a:lstStyle/>
             <a:p>
               <a:pPr algn="ctr"/>
-              <a:endParaRPr lang="en-US"/>
+              <a:endParaRPr lang="en-US" dirty="0"/>
             </a:p>
           </p:txBody>
         </p:sp>
@@ -5532,8 +5534,8 @@
           </p:nvSpPr>
           <p:spPr>
             <a:xfrm>
-              <a:off x="11240342" y="2210740"/>
-              <a:ext cx="855981" cy="646331"/>
+              <a:off x="11239146" y="2210740"/>
+              <a:ext cx="857177" cy="369332"/>
             </a:xfrm>
             <a:prstGeom prst="rect">
               <a:avLst/>
@@ -5550,14 +5552,10 @@
             <a:p>
               <a:pPr algn="ctr"/>
               <a:r>
-                <a:rPr lang="en-US" dirty="0" err="1"/>
+                <a:rPr lang="en-US" b="1" dirty="0" err="1"/>
                 <a:t>Concat</a:t>
               </a:r>
-              <a:endParaRPr lang="en-US" dirty="0"/>
-            </a:p>
-            <a:p>
-              <a:pPr algn="ctr"/>
-              <a:endParaRPr lang="en-US" dirty="0"/>
+              <a:endParaRPr lang="en-US" b="1" dirty="0"/>
             </a:p>
           </p:txBody>
         </p:sp>
@@ -5572,19 +5570,18 @@
             </p:cNvPr>
             <p:cNvCxnSpPr>
               <a:cxnSpLocks/>
-              <a:endCxn id="90" idx="1"/>
             </p:cNvCxnSpPr>
             <p:nvPr/>
           </p:nvCxnSpPr>
           <p:spPr>
             <a:xfrm>
               <a:off x="10167657" y="2533905"/>
-              <a:ext cx="1072685" cy="1"/>
+              <a:ext cx="1071489" cy="0"/>
             </a:xfrm>
             <a:prstGeom prst="straightConnector1">
               <a:avLst/>
             </a:prstGeom>
-            <a:ln>
+            <a:ln w="38100">
               <a:tailEnd type="triangle"/>
             </a:ln>
           </p:spPr>
@@ -5625,7 +5622,7 @@
             <a:prstGeom prst="straightConnector1">
               <a:avLst/>
             </a:prstGeom>
-            <a:ln>
+            <a:ln w="38100">
               <a:tailEnd type="triangle"/>
             </a:ln>
           </p:spPr>
@@ -5666,7 +5663,7 @@
             <a:prstGeom prst="straightConnector1">
               <a:avLst/>
             </a:prstGeom>
-            <a:ln>
+            <a:ln w="38100">
               <a:tailEnd type="triangle"/>
             </a:ln>
           </p:spPr>
@@ -5706,7 +5703,7 @@
               <a:avLst/>
             </a:prstGeom>
             <a:noFill/>
-            <a:ln>
+            <a:ln w="38100">
               <a:solidFill>
                 <a:schemeClr val="accent2"/>
               </a:solidFill>
@@ -5729,7 +5726,7 @@
             <a:p>
               <a:pPr algn="ctr"/>
               <a:r>
-                <a:rPr lang="en-US" dirty="0"/>
+                <a:rPr lang="en-US" b="1" dirty="0"/>
                 <a:t>x2</a:t>
               </a:r>
             </a:p>
@@ -5756,7 +5753,7 @@
               <a:avLst/>
             </a:prstGeom>
             <a:noFill/>
-            <a:ln>
+            <a:ln w="38100">
               <a:solidFill>
                 <a:schemeClr val="accent2"/>
               </a:solidFill>
@@ -5770,7 +5767,7 @@
             <a:p>
               <a:pPr algn="ctr"/>
               <a:r>
-                <a:rPr lang="en-US" dirty="0"/>
+                <a:rPr lang="en-US" b="1" dirty="0"/>
                 <a:t>x1</a:t>
               </a:r>
             </a:p>
@@ -5790,7 +5787,7 @@
           </p:nvSpPr>
           <p:spPr>
             <a:xfrm>
-              <a:off x="11183982" y="3001548"/>
+              <a:off x="11183982" y="2887118"/>
               <a:ext cx="969255" cy="369332"/>
             </a:xfrm>
             <a:prstGeom prst="rect">
@@ -5813,7 +5810,7 @@
             <a:p>
               <a:pPr algn="ctr"/>
               <a:r>
-                <a:rPr lang="en-US" dirty="0"/>
+                <a:rPr lang="en-US" b="1" dirty="0"/>
                 <a:t>Linear</a:t>
               </a:r>
             </a:p>
@@ -5856,7 +5853,7 @@
             <a:p>
               <a:pPr algn="ctr"/>
               <a:r>
-                <a:rPr lang="en-US" dirty="0"/>
+                <a:rPr lang="en-US" b="1" dirty="0"/>
                 <a:t>Dropout</a:t>
               </a:r>
             </a:p>
@@ -5880,13 +5877,13 @@
           </p:nvCxnSpPr>
           <p:spPr>
             <a:xfrm>
-              <a:off x="11668333" y="2857071"/>
-              <a:ext cx="277" cy="144477"/>
+              <a:off x="11667735" y="2580072"/>
+              <a:ext cx="875" cy="307046"/>
             </a:xfrm>
             <a:prstGeom prst="straightConnector1">
               <a:avLst/>
             </a:prstGeom>
-            <a:ln>
+            <a:ln w="38100">
               <a:tailEnd type="triangle"/>
             </a:ln>
           </p:spPr>
@@ -5923,13 +5920,13 @@
           </p:nvCxnSpPr>
           <p:spPr>
             <a:xfrm flipH="1">
-              <a:off x="11667572" y="3370880"/>
-              <a:ext cx="1038" cy="125092"/>
+              <a:off x="11667572" y="3256450"/>
+              <a:ext cx="1038" cy="239522"/>
             </a:xfrm>
             <a:prstGeom prst="straightConnector1">
               <a:avLst/>
             </a:prstGeom>
-            <a:ln>
+            <a:ln w="38100">
               <a:tailEnd type="triangle"/>
             </a:ln>
           </p:spPr>
@@ -5972,7 +5969,7 @@
             <a:prstGeom prst="straightConnector1">
               <a:avLst/>
             </a:prstGeom>
-            <a:ln>
+            <a:ln w="38100">
               <a:tailEnd type="triangle"/>
             </a:ln>
           </p:spPr>
@@ -6061,7 +6058,7 @@
             <a:prstGeom prst="straightConnector1">
               <a:avLst/>
             </a:prstGeom>
-            <a:ln>
+            <a:ln w="38100">
               <a:tailEnd type="triangle"/>
             </a:ln>
           </p:spPr>
@@ -6104,7 +6101,7 @@
             <a:prstGeom prst="straightConnector1">
               <a:avLst/>
             </a:prstGeom>
-            <a:ln>
+            <a:ln w="38100">
               <a:tailEnd type="triangle"/>
             </a:ln>
           </p:spPr>
@@ -6144,7 +6141,7 @@
               <a:avLst/>
             </a:prstGeom>
             <a:noFill/>
-            <a:ln>
+            <a:ln w="38100">
               <a:solidFill>
                 <a:schemeClr val="accent2"/>
               </a:solidFill>
@@ -6158,7 +6155,7 @@
             <a:p>
               <a:pPr algn="ctr"/>
               <a:r>
-                <a:rPr lang="en-US" dirty="0"/>
+                <a:rPr lang="en-US" b="1" dirty="0"/>
                 <a:t>x1</a:t>
               </a:r>
             </a:p>
@@ -6201,10 +6198,10 @@
             <a:p>
               <a:pPr algn="ctr"/>
               <a:r>
-                <a:rPr lang="en-US" dirty="0" err="1"/>
+                <a:rPr lang="en-US" b="1" dirty="0" err="1"/>
                 <a:t>layerNorm</a:t>
               </a:r>
-              <a:endParaRPr lang="en-US" dirty="0"/>
+              <a:endParaRPr lang="en-US" b="1" dirty="0"/>
             </a:p>
           </p:txBody>
         </p:sp>
@@ -6232,7 +6229,7 @@
             <a:prstGeom prst="straightConnector1">
               <a:avLst/>
             </a:prstGeom>
-            <a:ln>
+            <a:ln w="38100">
               <a:tailEnd type="triangle"/>
             </a:ln>
           </p:spPr>
@@ -6293,7 +6290,7 @@
               <a:avLst/>
             </a:prstGeom>
             <a:noFill/>
-            <a:ln>
+            <a:ln w="38100">
               <a:solidFill>
                 <a:schemeClr val="accent2"/>
               </a:solidFill>
@@ -6316,7 +6313,7 @@
             <a:p>
               <a:pPr algn="ctr"/>
               <a:r>
-                <a:rPr lang="en-US" dirty="0"/>
+                <a:rPr lang="en-US" b="1" dirty="0"/>
                 <a:t>x2</a:t>
               </a:r>
             </a:p>
@@ -6345,7 +6342,7 @@
             <a:prstGeom prst="straightConnector1">
               <a:avLst/>
             </a:prstGeom>
-            <a:ln>
+            <a:ln w="38100">
               <a:tailEnd type="triangle"/>
             </a:ln>
           </p:spPr>
@@ -6386,7 +6383,7 @@
             <a:prstGeom prst="straightConnector1">
               <a:avLst/>
             </a:prstGeom>
-            <a:ln>
+            <a:ln w="38100">
               <a:tailEnd type="triangle"/>
             </a:ln>
           </p:spPr>
@@ -6442,10 +6439,10 @@
             <a:p>
               <a:pPr algn="ctr"/>
               <a:r>
-                <a:rPr lang="en-US" dirty="0" err="1"/>
+                <a:rPr lang="en-US" b="1" dirty="0" err="1"/>
                 <a:t>layerNorm</a:t>
               </a:r>
-              <a:endParaRPr lang="en-US" dirty="0"/>
+              <a:endParaRPr lang="en-US" b="1" dirty="0"/>
             </a:p>
           </p:txBody>
         </p:sp>
@@ -6486,14 +6483,14 @@
             <a:p>
               <a:pPr algn="ctr"/>
               <a:r>
-                <a:rPr lang="en-US" dirty="0"/>
+                <a:rPr lang="en-US" b="1" dirty="0"/>
                 <a:t>Feed</a:t>
               </a:r>
             </a:p>
             <a:p>
               <a:pPr algn="ctr"/>
               <a:r>
-                <a:rPr lang="en-US" dirty="0"/>
+                <a:rPr lang="en-US" b="1" dirty="0"/>
                 <a:t>Forward</a:t>
               </a:r>
             </a:p>
@@ -6520,7 +6517,7 @@
               <a:avLst/>
             </a:prstGeom>
             <a:noFill/>
-            <a:ln>
+            <a:ln w="38100">
               <a:solidFill>
                 <a:schemeClr val="accent2"/>
               </a:solidFill>
@@ -6543,7 +6540,7 @@
             <a:p>
               <a:pPr algn="ctr"/>
               <a:r>
-                <a:rPr lang="en-US" dirty="0"/>
+                <a:rPr lang="en-US" b="1" dirty="0"/>
                 <a:t>x2</a:t>
               </a:r>
             </a:p>
@@ -6591,7 +6588,7 @@
             <a:lstStyle/>
             <a:p>
               <a:pPr algn="ctr"/>
-              <a:endParaRPr lang="en-US"/>
+              <a:endParaRPr lang="en-US" b="1"/>
             </a:p>
           </p:txBody>
         </p:sp>
@@ -6619,7 +6616,7 @@
             <a:prstGeom prst="straightConnector1">
               <a:avLst/>
             </a:prstGeom>
-            <a:ln>
+            <a:ln w="38100">
               <a:tailEnd type="triangle"/>
             </a:ln>
           </p:spPr>
@@ -6662,7 +6659,7 @@
             <a:prstGeom prst="straightConnector1">
               <a:avLst/>
             </a:prstGeom>
-            <a:ln>
+            <a:ln w="38100">
               <a:tailEnd type="triangle"/>
             </a:ln>
           </p:spPr>
@@ -6705,7 +6702,7 @@
             <a:prstGeom prst="straightConnector1">
               <a:avLst/>
             </a:prstGeom>
-            <a:ln>
+            <a:ln w="38100">
               <a:tailEnd type="triangle"/>
             </a:ln>
           </p:spPr>
@@ -6745,7 +6742,7 @@
               <a:avLst/>
             </a:prstGeom>
             <a:noFill/>
-            <a:ln>
+            <a:ln w="38100">
               <a:solidFill>
                 <a:schemeClr val="accent2"/>
               </a:solidFill>
@@ -6768,7 +6765,7 @@
             <a:p>
               <a:pPr algn="ctr"/>
               <a:r>
-                <a:rPr lang="en-US" dirty="0"/>
+                <a:rPr lang="en-US" b="1" dirty="0"/>
                 <a:t>x3</a:t>
               </a:r>
             </a:p>
@@ -6811,10 +6808,10 @@
             <a:p>
               <a:pPr algn="ctr"/>
               <a:r>
-                <a:rPr lang="en-US" dirty="0" err="1"/>
+                <a:rPr lang="en-US" b="1" dirty="0" err="1"/>
                 <a:t>layerNorm</a:t>
               </a:r>
-              <a:endParaRPr lang="en-US" dirty="0"/>
+              <a:endParaRPr lang="en-US" b="1" dirty="0"/>
             </a:p>
           </p:txBody>
         </p:sp>
@@ -6842,7 +6839,7 @@
             <a:prstGeom prst="straightConnector1">
               <a:avLst/>
             </a:prstGeom>
-            <a:ln>
+            <a:ln w="38100">
               <a:tailEnd type="triangle"/>
             </a:ln>
           </p:spPr>
@@ -6898,7 +6895,7 @@
             <a:p>
               <a:pPr algn="ctr"/>
               <a:r>
-                <a:rPr lang="en-US" dirty="0"/>
+                <a:rPr lang="en-US" b="1" dirty="0"/>
                 <a:t>Linear</a:t>
               </a:r>
             </a:p>
@@ -6928,7 +6925,7 @@
             <a:prstGeom prst="straightConnector1">
               <a:avLst/>
             </a:prstGeom>
-            <a:ln>
+            <a:ln w="38100">
               <a:tailEnd type="triangle"/>
             </a:ln>
           </p:spPr>
@@ -6970,7 +6967,7 @@
             <a:prstGeom prst="straightConnector1">
               <a:avLst/>
             </a:prstGeom>
-            <a:ln>
+            <a:ln w="38100">
               <a:tailEnd type="triangle"/>
             </a:ln>
           </p:spPr>
@@ -7021,7 +7018,7 @@
             <a:p>
               <a:pPr algn="ctr"/>
               <a:r>
-                <a:rPr lang="en-US" dirty="0"/>
+                <a:rPr lang="en-US" b="1" dirty="0"/>
                 <a:t>Mean</a:t>
               </a:r>
             </a:p>
@@ -7048,7 +7045,7 @@
               <a:avLst/>
             </a:prstGeom>
             <a:noFill/>
-            <a:ln>
+            <a:ln w="38100">
               <a:solidFill>
                 <a:schemeClr val="accent2"/>
               </a:solidFill>
@@ -7071,7 +7068,7 @@
             <a:p>
               <a:pPr algn="ctr"/>
               <a:r>
-                <a:rPr lang="en-US" dirty="0"/>
+                <a:rPr lang="en-US" b="1" dirty="0"/>
                 <a:t>heuristic</a:t>
               </a:r>
             </a:p>
@@ -7101,7 +7098,7 @@
             <a:prstGeom prst="straightConnector1">
               <a:avLst/>
             </a:prstGeom>
-            <a:ln>
+            <a:ln w="38100">
               <a:tailEnd type="triangle"/>
             </a:ln>
           </p:spPr>
@@ -7430,21 +7427,6 @@
 </file>
 
 <file path=customXml/item1.xml><?xml version="1.0" encoding="utf-8"?>
-<p:properties xmlns:p="http://schemas.microsoft.com/office/2006/metadata/properties" xmlns:xsi="http://www.w3.org/2001/XMLSchema-instance" xmlns:pc="http://schemas.microsoft.com/office/infopath/2007/PartnerControls">
-  <documentManagement/>
-</p:properties>
-</file>
-
-<file path=customXml/item2.xml><?xml version="1.0" encoding="utf-8"?>
-<?mso-contentType ?>
-<FormTemplates xmlns="http://schemas.microsoft.com/sharepoint/v3/contenttype/forms">
-  <Display>DocumentLibraryForm</Display>
-  <Edit>DocumentLibraryForm</Edit>
-  <New>DocumentLibraryForm</New>
-</FormTemplates>
-</file>
-
-<file path=customXml/item3.xml><?xml version="1.0" encoding="utf-8"?>
 <ct:contentTypeSchema xmlns:ct="http://schemas.microsoft.com/office/2006/metadata/contentType" xmlns:ma="http://schemas.microsoft.com/office/2006/metadata/properties/metaAttributes" ct:_="" ma:_="" ma:contentTypeName="Document" ma:contentTypeID="0x010100F40BA575F678FF44B9401759CEAEC9B2" ma:contentTypeVersion="2" ma:contentTypeDescription="Create a new document." ma:contentTypeScope="" ma:versionID="a172e174a848bd9a0e0537154767f82f">
   <xsd:schema xmlns:xsd="http://www.w3.org/2001/XMLSchema" xmlns:xs="http://www.w3.org/2001/XMLSchema" xmlns:p="http://schemas.microsoft.com/office/2006/metadata/properties" xmlns:ns3="b8770992-a6c4-47cc-af99-61d5eb472489" targetNamespace="http://schemas.microsoft.com/office/2006/metadata/properties" ma:root="true" ma:fieldsID="0c533e19ffddb0257ab66fba68cd3870" ns3:_="">
     <xsd:import namespace="b8770992-a6c4-47cc-af99-61d5eb472489"/>
@@ -7576,31 +7558,22 @@
 </ct:contentTypeSchema>
 </file>
 
-<file path=customXml/itemProps1.xml><?xml version="1.0" encoding="utf-8"?>
-<ds:datastoreItem xmlns:ds="http://schemas.openxmlformats.org/officeDocument/2006/customXml" ds:itemID="{E3D825EB-EC83-48D5-BB2C-B6A143CCCB80}">
-  <ds:schemaRefs>
-    <ds:schemaRef ds:uri="http://schemas.microsoft.com/office/2006/documentManagement/types"/>
-    <ds:schemaRef ds:uri="b8770992-a6c4-47cc-af99-61d5eb472489"/>
-    <ds:schemaRef ds:uri="http://purl.org/dc/terms/"/>
-    <ds:schemaRef ds:uri="http://www.w3.org/XML/1998/namespace"/>
-    <ds:schemaRef ds:uri="http://purl.org/dc/dcmitype/"/>
-    <ds:schemaRef ds:uri="http://schemas.microsoft.com/office/infopath/2007/PartnerControls"/>
-    <ds:schemaRef ds:uri="http://schemas.openxmlformats.org/package/2006/metadata/core-properties"/>
-    <ds:schemaRef ds:uri="http://schemas.microsoft.com/office/2006/metadata/properties"/>
-    <ds:schemaRef ds:uri="http://purl.org/dc/elements/1.1/"/>
-  </ds:schemaRefs>
-</ds:datastoreItem>
+<file path=customXml/item2.xml><?xml version="1.0" encoding="utf-8"?>
+<?mso-contentType ?>
+<FormTemplates xmlns="http://schemas.microsoft.com/sharepoint/v3/contenttype/forms">
+  <Display>DocumentLibraryForm</Display>
+  <Edit>DocumentLibraryForm</Edit>
+  <New>DocumentLibraryForm</New>
+</FormTemplates>
 </file>
 
-<file path=customXml/itemProps2.xml><?xml version="1.0" encoding="utf-8"?>
-<ds:datastoreItem xmlns:ds="http://schemas.openxmlformats.org/officeDocument/2006/customXml" ds:itemID="{400A3C1D-B159-4D94-B2E6-896C8E7A22F5}">
-  <ds:schemaRefs>
-    <ds:schemaRef ds:uri="http://schemas.microsoft.com/sharepoint/v3/contenttype/forms"/>
-  </ds:schemaRefs>
-</ds:datastoreItem>
+<file path=customXml/item3.xml><?xml version="1.0" encoding="utf-8"?>
+<p:properties xmlns:p="http://schemas.microsoft.com/office/2006/metadata/properties" xmlns:xsi="http://www.w3.org/2001/XMLSchema-instance" xmlns:pc="http://schemas.microsoft.com/office/infopath/2007/PartnerControls">
+  <documentManagement/>
+</p:properties>
 </file>
 
-<file path=customXml/itemProps3.xml><?xml version="1.0" encoding="utf-8"?>
+<file path=customXml/itemProps1.xml><?xml version="1.0" encoding="utf-8"?>
 <ds:datastoreItem xmlns:ds="http://schemas.openxmlformats.org/officeDocument/2006/customXml" ds:itemID="{D09AEAAF-BD4F-4EFD-905C-F4A86582EC27}">
   <ds:schemaRefs>
     <ds:schemaRef ds:uri="http://schemas.microsoft.com/office/2006/metadata/contentType"/>
@@ -7616,4 +7589,28 @@
     <ds:schemaRef ds:uri="http://schemas.microsoft.com/internal/obd"/>
   </ds:schemaRefs>
 </ds:datastoreItem>
+</file>
+
+<file path=customXml/itemProps2.xml><?xml version="1.0" encoding="utf-8"?>
+<ds:datastoreItem xmlns:ds="http://schemas.openxmlformats.org/officeDocument/2006/customXml" ds:itemID="{400A3C1D-B159-4D94-B2E6-896C8E7A22F5}">
+  <ds:schemaRefs>
+    <ds:schemaRef ds:uri="http://schemas.microsoft.com/sharepoint/v3/contenttype/forms"/>
+  </ds:schemaRefs>
+</ds:datastoreItem>
+</file>
+
+<file path=customXml/itemProps3.xml><?xml version="1.0" encoding="utf-8"?>
+<ds:datastoreItem xmlns:ds="http://schemas.openxmlformats.org/officeDocument/2006/customXml" ds:itemID="{E3D825EB-EC83-48D5-BB2C-B6A143CCCB80}">
+  <ds:schemaRefs>
+    <ds:schemaRef ds:uri="http://schemas.microsoft.com/office/2006/documentManagement/types"/>
+    <ds:schemaRef ds:uri="b8770992-a6c4-47cc-af99-61d5eb472489"/>
+    <ds:schemaRef ds:uri="http://purl.org/dc/terms/"/>
+    <ds:schemaRef ds:uri="http://www.w3.org/XML/1998/namespace"/>
+    <ds:schemaRef ds:uri="http://purl.org/dc/dcmitype/"/>
+    <ds:schemaRef ds:uri="http://schemas.microsoft.com/office/infopath/2007/PartnerControls"/>
+    <ds:schemaRef ds:uri="http://schemas.openxmlformats.org/package/2006/metadata/core-properties"/>
+    <ds:schemaRef ds:uri="http://schemas.microsoft.com/office/2006/metadata/properties"/>
+    <ds:schemaRef ds:uri="http://purl.org/dc/elements/1.1/"/>
+  </ds:schemaRefs>
+</ds:datastoreItem>
 </file>